--- a/info/EstructuraLandingInvestigacionCreativa.pptx
+++ b/info/EstructuraLandingInvestigacionCreativa.pptx
@@ -135,6 +135,35 @@
 </p:presentation>
 </file>
 
+<file path=ppt/changesInfos/changesInfo1.xml><?xml version="1.0" encoding="utf-8"?>
+<pc:chgInfo xmlns:a="http://schemas.openxmlformats.org/drawingml/2006/main" xmlns:r="http://schemas.openxmlformats.org/officeDocument/2006/relationships" xmlns:ac="http://schemas.microsoft.com/office/drawing/2013/main/command" xmlns:pc="http://schemas.microsoft.com/office/powerpoint/2013/main/command">
+  <pc:docChgLst>
+    <pc:chgData name="Juan Sebastian Orjuela Quintero" userId="7154e2c50c4c6c17" providerId="LiveId" clId="{3AB29AAE-33D1-4B77-B796-CCAA5799EA0E}"/>
+    <pc:docChg chg="modSld">
+      <pc:chgData name="Juan Sebastian Orjuela Quintero" userId="7154e2c50c4c6c17" providerId="LiveId" clId="{3AB29AAE-33D1-4B77-B796-CCAA5799EA0E}" dt="2022-09-05T17:23:11.892" v="0" actId="207"/>
+      <pc:docMkLst>
+        <pc:docMk/>
+      </pc:docMkLst>
+      <pc:sldChg chg="modSp mod">
+        <pc:chgData name="Juan Sebastian Orjuela Quintero" userId="7154e2c50c4c6c17" providerId="LiveId" clId="{3AB29AAE-33D1-4B77-B796-CCAA5799EA0E}" dt="2022-09-05T17:23:11.892" v="0" actId="207"/>
+        <pc:sldMkLst>
+          <pc:docMk/>
+          <pc:sldMk cId="1964319813" sldId="272"/>
+        </pc:sldMkLst>
+        <pc:spChg chg="mod">
+          <ac:chgData name="Juan Sebastian Orjuela Quintero" userId="7154e2c50c4c6c17" providerId="LiveId" clId="{3AB29AAE-33D1-4B77-B796-CCAA5799EA0E}" dt="2022-09-05T17:23:11.892" v="0" actId="207"/>
+          <ac:spMkLst>
+            <pc:docMk/>
+            <pc:sldMk cId="1964319813" sldId="272"/>
+            <ac:spMk id="24" creationId="{840724F8-BC9A-41AA-9538-A6C4CDAB0402}"/>
+          </ac:spMkLst>
+        </pc:spChg>
+      </pc:sldChg>
+    </pc:docChg>
+  </pc:docChgLst>
+</pc:chgInfo>
+</file>
+
 <file path=ppt/notesMasters/notesMaster1.xml><?xml version="1.0" encoding="utf-8"?>
 <p:notesMaster xmlns:a="http://schemas.openxmlformats.org/drawingml/2006/main" xmlns:r="http://schemas.openxmlformats.org/officeDocument/2006/relationships" xmlns:p="http://schemas.openxmlformats.org/presentationml/2006/main">
   <p:cSld>
@@ -217,7 +246,7 @@
           <a:p>
             <a:fld id="{AA0ACFE6-A36D-4C8E-AF3E-AC20E40F8245}" type="datetimeFigureOut">
               <a:rPr lang="es-CO" smtClean="0"/>
-              <a:t>10/08/2022</a:t>
+              <a:t>5/09/2022</a:t>
             </a:fld>
             <a:endParaRPr lang="es-CO"/>
           </a:p>
@@ -2509,7 +2538,7 @@
           <a:p>
             <a:fld id="{7B3E1AC9-1956-4DAA-856A-B452B598EC7E}" type="datetimeFigureOut">
               <a:rPr lang="es-CO" smtClean="0"/>
-              <a:t>10/08/2022</a:t>
+              <a:t>5/09/2022</a:t>
             </a:fld>
             <a:endParaRPr lang="es-CO"/>
           </a:p>
@@ -2709,7 +2738,7 @@
           <a:p>
             <a:fld id="{7B3E1AC9-1956-4DAA-856A-B452B598EC7E}" type="datetimeFigureOut">
               <a:rPr lang="es-CO" smtClean="0"/>
-              <a:t>10/08/2022</a:t>
+              <a:t>5/09/2022</a:t>
             </a:fld>
             <a:endParaRPr lang="es-CO"/>
           </a:p>
@@ -2919,7 +2948,7 @@
           <a:p>
             <a:fld id="{7B3E1AC9-1956-4DAA-856A-B452B598EC7E}" type="datetimeFigureOut">
               <a:rPr lang="es-CO" smtClean="0"/>
-              <a:t>10/08/2022</a:t>
+              <a:t>5/09/2022</a:t>
             </a:fld>
             <a:endParaRPr lang="es-CO"/>
           </a:p>
@@ -3119,7 +3148,7 @@
           <a:p>
             <a:fld id="{7B3E1AC9-1956-4DAA-856A-B452B598EC7E}" type="datetimeFigureOut">
               <a:rPr lang="es-CO" smtClean="0"/>
-              <a:t>10/08/2022</a:t>
+              <a:t>5/09/2022</a:t>
             </a:fld>
             <a:endParaRPr lang="es-CO"/>
           </a:p>
@@ -3395,7 +3424,7 @@
           <a:p>
             <a:fld id="{7B3E1AC9-1956-4DAA-856A-B452B598EC7E}" type="datetimeFigureOut">
               <a:rPr lang="es-CO" smtClean="0"/>
-              <a:t>10/08/2022</a:t>
+              <a:t>5/09/2022</a:t>
             </a:fld>
             <a:endParaRPr lang="es-CO"/>
           </a:p>
@@ -3663,7 +3692,7 @@
           <a:p>
             <a:fld id="{7B3E1AC9-1956-4DAA-856A-B452B598EC7E}" type="datetimeFigureOut">
               <a:rPr lang="es-CO" smtClean="0"/>
-              <a:t>10/08/2022</a:t>
+              <a:t>5/09/2022</a:t>
             </a:fld>
             <a:endParaRPr lang="es-CO"/>
           </a:p>
@@ -4078,7 +4107,7 @@
           <a:p>
             <a:fld id="{7B3E1AC9-1956-4DAA-856A-B452B598EC7E}" type="datetimeFigureOut">
               <a:rPr lang="es-CO" smtClean="0"/>
-              <a:t>10/08/2022</a:t>
+              <a:t>5/09/2022</a:t>
             </a:fld>
             <a:endParaRPr lang="es-CO"/>
           </a:p>
@@ -4220,7 +4249,7 @@
           <a:p>
             <a:fld id="{7B3E1AC9-1956-4DAA-856A-B452B598EC7E}" type="datetimeFigureOut">
               <a:rPr lang="es-CO" smtClean="0"/>
-              <a:t>10/08/2022</a:t>
+              <a:t>5/09/2022</a:t>
             </a:fld>
             <a:endParaRPr lang="es-CO"/>
           </a:p>
@@ -4333,7 +4362,7 @@
           <a:p>
             <a:fld id="{7B3E1AC9-1956-4DAA-856A-B452B598EC7E}" type="datetimeFigureOut">
               <a:rPr lang="es-CO" smtClean="0"/>
-              <a:t>10/08/2022</a:t>
+              <a:t>5/09/2022</a:t>
             </a:fld>
             <a:endParaRPr lang="es-CO"/>
           </a:p>
@@ -4646,7 +4675,7 @@
           <a:p>
             <a:fld id="{7B3E1AC9-1956-4DAA-856A-B452B598EC7E}" type="datetimeFigureOut">
               <a:rPr lang="es-CO" smtClean="0"/>
-              <a:t>10/08/2022</a:t>
+              <a:t>5/09/2022</a:t>
             </a:fld>
             <a:endParaRPr lang="es-CO"/>
           </a:p>
@@ -4935,7 +4964,7 @@
           <a:p>
             <a:fld id="{7B3E1AC9-1956-4DAA-856A-B452B598EC7E}" type="datetimeFigureOut">
               <a:rPr lang="es-CO" smtClean="0"/>
-              <a:t>10/08/2022</a:t>
+              <a:t>5/09/2022</a:t>
             </a:fld>
             <a:endParaRPr lang="es-CO"/>
           </a:p>
@@ -5178,7 +5207,7 @@
           <a:p>
             <a:fld id="{7B3E1AC9-1956-4DAA-856A-B452B598EC7E}" type="datetimeFigureOut">
               <a:rPr lang="es-CO" smtClean="0"/>
-              <a:t>10/08/2022</a:t>
+              <a:t>5/09/2022</a:t>
             </a:fld>
             <a:endParaRPr lang="es-CO"/>
           </a:p>
@@ -18846,7 +18875,10 @@
             <a:avLst/>
           </a:prstGeom>
           <a:solidFill>
-            <a:srgbClr val="FFC000"/>
+            <a:schemeClr val="accent1">
+              <a:lumMod val="60000"/>
+              <a:lumOff val="40000"/>
+            </a:schemeClr>
           </a:solidFill>
           <a:ln>
             <a:noFill/>
@@ -18873,7 +18905,7 @@
           <a:lstStyle/>
           <a:p>
             <a:pPr algn="ctr"/>
-            <a:endParaRPr lang="es-CO"/>
+            <a:endParaRPr lang="es-CO" dirty="0"/>
           </a:p>
         </p:txBody>
       </p:sp>
